--- a/ppt 16-9/1296.让小孩子到我.pptx
+++ b/ppt 16-9/1296.让小孩子到我.pptx
@@ -129,7 +129,7 @@
           <p:cNvPr id="2" name="标题 1">
             <a:extLst>
               <a:ext uri="{FF2B5EF4-FFF2-40B4-BE49-F238E27FC236}">
-                <a16:creationId xmlns:a16="http://schemas.microsoft.com/office/drawing/2014/main" id="{5928E538-7401-DAD0-3D60-6285DC6082BA}"/>
+                <a16:creationId xmlns:a16="http://schemas.microsoft.com/office/drawing/2014/main" id="{19C5877A-921D-040E-8AF7-4CB530AA19D9}"/>
               </a:ext>
             </a:extLst>
           </p:cNvPr>
@@ -166,7 +166,7 @@
           <p:cNvPr id="3" name="副标题 2">
             <a:extLst>
               <a:ext uri="{FF2B5EF4-FFF2-40B4-BE49-F238E27FC236}">
-                <a16:creationId xmlns:a16="http://schemas.microsoft.com/office/drawing/2014/main" id="{F77FC057-0D0C-1F3C-B5CF-C297569B9FA0}"/>
+                <a16:creationId xmlns:a16="http://schemas.microsoft.com/office/drawing/2014/main" id="{30A0D28D-8263-611A-97D2-EAE421B2AB93}"/>
               </a:ext>
             </a:extLst>
           </p:cNvPr>
@@ -236,7 +236,7 @@
           <p:cNvPr id="4" name="日期占位符 3">
             <a:extLst>
               <a:ext uri="{FF2B5EF4-FFF2-40B4-BE49-F238E27FC236}">
-                <a16:creationId xmlns:a16="http://schemas.microsoft.com/office/drawing/2014/main" id="{047BD31A-AE01-85BC-3A25-76CEEB6732C0}"/>
+                <a16:creationId xmlns:a16="http://schemas.microsoft.com/office/drawing/2014/main" id="{554627DD-16FB-9F2D-852C-A5510F07CBB7}"/>
               </a:ext>
             </a:extLst>
           </p:cNvPr>
@@ -252,7 +252,7 @@
           <a:bodyPr/>
           <a:lstStyle/>
           <a:p>
-            <a:fld id="{3AF1A9F2-893A-43C5-9341-7F2C34DA6769}" type="datetimeFigureOut">
+            <a:fld id="{1A9734ED-E852-4E2A-970D-255D989881CB}" type="datetimeFigureOut">
               <a:rPr lang="zh-CN" altLang="en-US" smtClean="0"/>
               <a:t>2024/3/10</a:t>
             </a:fld>
@@ -265,7 +265,7 @@
           <p:cNvPr id="5" name="页脚占位符 4">
             <a:extLst>
               <a:ext uri="{FF2B5EF4-FFF2-40B4-BE49-F238E27FC236}">
-                <a16:creationId xmlns:a16="http://schemas.microsoft.com/office/drawing/2014/main" id="{86A48D0A-1950-C456-E20E-2424A40818E6}"/>
+                <a16:creationId xmlns:a16="http://schemas.microsoft.com/office/drawing/2014/main" id="{010F3E00-5F9A-F498-77E9-9B9EE798A7BA}"/>
               </a:ext>
             </a:extLst>
           </p:cNvPr>
@@ -290,7 +290,7 @@
           <p:cNvPr id="6" name="灯片编号占位符 5">
             <a:extLst>
               <a:ext uri="{FF2B5EF4-FFF2-40B4-BE49-F238E27FC236}">
-                <a16:creationId xmlns:a16="http://schemas.microsoft.com/office/drawing/2014/main" id="{68C41D3A-6B8F-B1A6-9420-A43C1E1E253D}"/>
+                <a16:creationId xmlns:a16="http://schemas.microsoft.com/office/drawing/2014/main" id="{4B4F36A2-1D27-EBF1-1E79-D756218BBB01}"/>
               </a:ext>
             </a:extLst>
           </p:cNvPr>
@@ -306,7 +306,7 @@
           <a:bodyPr/>
           <a:lstStyle/>
           <a:p>
-            <a:fld id="{D4284B0F-9ABE-4B7B-A4A3-228F4E1A80B3}" type="slidenum">
+            <a:fld id="{AB9C9C22-AF74-4348-AED2-01586E0D0344}" type="slidenum">
               <a:rPr lang="zh-CN" altLang="en-US" smtClean="0"/>
               <a:t>‹#›</a:t>
             </a:fld>
@@ -317,7 +317,7 @@
     </p:spTree>
     <p:extLst>
       <p:ext uri="{BB962C8B-B14F-4D97-AF65-F5344CB8AC3E}">
-        <p14:creationId xmlns:p14="http://schemas.microsoft.com/office/powerpoint/2010/main" val="2319810446"/>
+        <p14:creationId xmlns:p14="http://schemas.microsoft.com/office/powerpoint/2010/main" val="2613867008"/>
       </p:ext>
     </p:extLst>
   </p:cSld>
@@ -349,7 +349,7 @@
           <p:cNvPr id="2" name="标题 1">
             <a:extLst>
               <a:ext uri="{FF2B5EF4-FFF2-40B4-BE49-F238E27FC236}">
-                <a16:creationId xmlns:a16="http://schemas.microsoft.com/office/drawing/2014/main" id="{6E47A9FD-493E-A982-60B9-B57C03BC5DC7}"/>
+                <a16:creationId xmlns:a16="http://schemas.microsoft.com/office/drawing/2014/main" id="{3FE60827-31C0-33BC-6292-0AFEC593FA02}"/>
               </a:ext>
             </a:extLst>
           </p:cNvPr>
@@ -377,7 +377,7 @@
           <p:cNvPr id="3" name="竖排文字占位符 2">
             <a:extLst>
               <a:ext uri="{FF2B5EF4-FFF2-40B4-BE49-F238E27FC236}">
-                <a16:creationId xmlns:a16="http://schemas.microsoft.com/office/drawing/2014/main" id="{5E068FE4-98AC-F3E1-A03D-EB4D73DB3435}"/>
+                <a16:creationId xmlns:a16="http://schemas.microsoft.com/office/drawing/2014/main" id="{3BFCAC65-FBF5-3E5F-0A70-A0183AB1CE6F}"/>
               </a:ext>
             </a:extLst>
           </p:cNvPr>
@@ -434,7 +434,7 @@
           <p:cNvPr id="4" name="日期占位符 3">
             <a:extLst>
               <a:ext uri="{FF2B5EF4-FFF2-40B4-BE49-F238E27FC236}">
-                <a16:creationId xmlns:a16="http://schemas.microsoft.com/office/drawing/2014/main" id="{4A65DD27-F47C-32EF-B234-1098C9D13C25}"/>
+                <a16:creationId xmlns:a16="http://schemas.microsoft.com/office/drawing/2014/main" id="{53D55310-FC87-5D91-D55F-EBE20492CCAA}"/>
               </a:ext>
             </a:extLst>
           </p:cNvPr>
@@ -450,7 +450,7 @@
           <a:bodyPr/>
           <a:lstStyle/>
           <a:p>
-            <a:fld id="{3AF1A9F2-893A-43C5-9341-7F2C34DA6769}" type="datetimeFigureOut">
+            <a:fld id="{1A9734ED-E852-4E2A-970D-255D989881CB}" type="datetimeFigureOut">
               <a:rPr lang="zh-CN" altLang="en-US" smtClean="0"/>
               <a:t>2024/3/10</a:t>
             </a:fld>
@@ -463,7 +463,7 @@
           <p:cNvPr id="5" name="页脚占位符 4">
             <a:extLst>
               <a:ext uri="{FF2B5EF4-FFF2-40B4-BE49-F238E27FC236}">
-                <a16:creationId xmlns:a16="http://schemas.microsoft.com/office/drawing/2014/main" id="{58BDB7E0-160E-A13E-E27F-C15415E9C3A8}"/>
+                <a16:creationId xmlns:a16="http://schemas.microsoft.com/office/drawing/2014/main" id="{06EC9658-A622-A7B8-1661-062797D664C9}"/>
               </a:ext>
             </a:extLst>
           </p:cNvPr>
@@ -488,7 +488,7 @@
           <p:cNvPr id="6" name="灯片编号占位符 5">
             <a:extLst>
               <a:ext uri="{FF2B5EF4-FFF2-40B4-BE49-F238E27FC236}">
-                <a16:creationId xmlns:a16="http://schemas.microsoft.com/office/drawing/2014/main" id="{82D91875-72E5-5390-C89F-7F8D135B2BAD}"/>
+                <a16:creationId xmlns:a16="http://schemas.microsoft.com/office/drawing/2014/main" id="{D8A6B660-05C5-AFDD-7854-DDDFD6C2AF48}"/>
               </a:ext>
             </a:extLst>
           </p:cNvPr>
@@ -504,7 +504,7 @@
           <a:bodyPr/>
           <a:lstStyle/>
           <a:p>
-            <a:fld id="{D4284B0F-9ABE-4B7B-A4A3-228F4E1A80B3}" type="slidenum">
+            <a:fld id="{AB9C9C22-AF74-4348-AED2-01586E0D0344}" type="slidenum">
               <a:rPr lang="zh-CN" altLang="en-US" smtClean="0"/>
               <a:t>‹#›</a:t>
             </a:fld>
@@ -515,7 +515,7 @@
     </p:spTree>
     <p:extLst>
       <p:ext uri="{BB962C8B-B14F-4D97-AF65-F5344CB8AC3E}">
-        <p14:creationId xmlns:p14="http://schemas.microsoft.com/office/powerpoint/2010/main" val="1271804511"/>
+        <p14:creationId xmlns:p14="http://schemas.microsoft.com/office/powerpoint/2010/main" val="3415022945"/>
       </p:ext>
     </p:extLst>
   </p:cSld>
@@ -547,7 +547,7 @@
           <p:cNvPr id="2" name="竖排标题 1">
             <a:extLst>
               <a:ext uri="{FF2B5EF4-FFF2-40B4-BE49-F238E27FC236}">
-                <a16:creationId xmlns:a16="http://schemas.microsoft.com/office/drawing/2014/main" id="{6A45F758-BEC4-3843-6418-E113F4433530}"/>
+                <a16:creationId xmlns:a16="http://schemas.microsoft.com/office/drawing/2014/main" id="{344E66F4-47E9-2B5C-25C0-2279F2526C73}"/>
               </a:ext>
             </a:extLst>
           </p:cNvPr>
@@ -580,7 +580,7 @@
           <p:cNvPr id="3" name="竖排文字占位符 2">
             <a:extLst>
               <a:ext uri="{FF2B5EF4-FFF2-40B4-BE49-F238E27FC236}">
-                <a16:creationId xmlns:a16="http://schemas.microsoft.com/office/drawing/2014/main" id="{4E731645-4D5A-0F0F-E65B-F4EEF6E0ADB5}"/>
+                <a16:creationId xmlns:a16="http://schemas.microsoft.com/office/drawing/2014/main" id="{B3F1841C-51CD-71CA-A63F-A7B70CAA42E1}"/>
               </a:ext>
             </a:extLst>
           </p:cNvPr>
@@ -642,7 +642,7 @@
           <p:cNvPr id="4" name="日期占位符 3">
             <a:extLst>
               <a:ext uri="{FF2B5EF4-FFF2-40B4-BE49-F238E27FC236}">
-                <a16:creationId xmlns:a16="http://schemas.microsoft.com/office/drawing/2014/main" id="{E3C9E223-EB96-DF72-18F1-7822FB871419}"/>
+                <a16:creationId xmlns:a16="http://schemas.microsoft.com/office/drawing/2014/main" id="{CCCBF9A8-DE7F-68F2-4D15-F4413899D5CF}"/>
               </a:ext>
             </a:extLst>
           </p:cNvPr>
@@ -658,7 +658,7 @@
           <a:bodyPr/>
           <a:lstStyle/>
           <a:p>
-            <a:fld id="{3AF1A9F2-893A-43C5-9341-7F2C34DA6769}" type="datetimeFigureOut">
+            <a:fld id="{1A9734ED-E852-4E2A-970D-255D989881CB}" type="datetimeFigureOut">
               <a:rPr lang="zh-CN" altLang="en-US" smtClean="0"/>
               <a:t>2024/3/10</a:t>
             </a:fld>
@@ -671,7 +671,7 @@
           <p:cNvPr id="5" name="页脚占位符 4">
             <a:extLst>
               <a:ext uri="{FF2B5EF4-FFF2-40B4-BE49-F238E27FC236}">
-                <a16:creationId xmlns:a16="http://schemas.microsoft.com/office/drawing/2014/main" id="{C9BEC665-A1BF-6AE8-A056-2D02992BD37A}"/>
+                <a16:creationId xmlns:a16="http://schemas.microsoft.com/office/drawing/2014/main" id="{0A0FC08B-8D51-1C01-9A36-43DCDD9E25E2}"/>
               </a:ext>
             </a:extLst>
           </p:cNvPr>
@@ -696,7 +696,7 @@
           <p:cNvPr id="6" name="灯片编号占位符 5">
             <a:extLst>
               <a:ext uri="{FF2B5EF4-FFF2-40B4-BE49-F238E27FC236}">
-                <a16:creationId xmlns:a16="http://schemas.microsoft.com/office/drawing/2014/main" id="{D9A12E50-7E36-BFAB-0E8C-51ADB6E30000}"/>
+                <a16:creationId xmlns:a16="http://schemas.microsoft.com/office/drawing/2014/main" id="{9E5F7D7A-DEF4-E605-B06D-9C8A1F51262E}"/>
               </a:ext>
             </a:extLst>
           </p:cNvPr>
@@ -712,7 +712,7 @@
           <a:bodyPr/>
           <a:lstStyle/>
           <a:p>
-            <a:fld id="{D4284B0F-9ABE-4B7B-A4A3-228F4E1A80B3}" type="slidenum">
+            <a:fld id="{AB9C9C22-AF74-4348-AED2-01586E0D0344}" type="slidenum">
               <a:rPr lang="zh-CN" altLang="en-US" smtClean="0"/>
               <a:t>‹#›</a:t>
             </a:fld>
@@ -723,7 +723,7 @@
     </p:spTree>
     <p:extLst>
       <p:ext uri="{BB962C8B-B14F-4D97-AF65-F5344CB8AC3E}">
-        <p14:creationId xmlns:p14="http://schemas.microsoft.com/office/powerpoint/2010/main" val="3250882393"/>
+        <p14:creationId xmlns:p14="http://schemas.microsoft.com/office/powerpoint/2010/main" val="2091258551"/>
       </p:ext>
     </p:extLst>
   </p:cSld>
@@ -755,7 +755,7 @@
           <p:cNvPr id="2" name="标题 1">
             <a:extLst>
               <a:ext uri="{FF2B5EF4-FFF2-40B4-BE49-F238E27FC236}">
-                <a16:creationId xmlns:a16="http://schemas.microsoft.com/office/drawing/2014/main" id="{5E9C95B8-35D5-9BFC-F0A6-2CBF89E6BE95}"/>
+                <a16:creationId xmlns:a16="http://schemas.microsoft.com/office/drawing/2014/main" id="{96BF95FE-397B-925E-FF34-FBC428F55F97}"/>
               </a:ext>
             </a:extLst>
           </p:cNvPr>
@@ -783,7 +783,7 @@
           <p:cNvPr id="3" name="内容占位符 2">
             <a:extLst>
               <a:ext uri="{FF2B5EF4-FFF2-40B4-BE49-F238E27FC236}">
-                <a16:creationId xmlns:a16="http://schemas.microsoft.com/office/drawing/2014/main" id="{7752249E-B8B8-29C1-8382-EA48B8861EFC}"/>
+                <a16:creationId xmlns:a16="http://schemas.microsoft.com/office/drawing/2014/main" id="{F0E0CF18-4B46-C475-DAA7-802D69707DBB}"/>
               </a:ext>
             </a:extLst>
           </p:cNvPr>
@@ -840,7 +840,7 @@
           <p:cNvPr id="4" name="日期占位符 3">
             <a:extLst>
               <a:ext uri="{FF2B5EF4-FFF2-40B4-BE49-F238E27FC236}">
-                <a16:creationId xmlns:a16="http://schemas.microsoft.com/office/drawing/2014/main" id="{9E2CEB47-42D9-AE0C-12D5-E20BCD617C42}"/>
+                <a16:creationId xmlns:a16="http://schemas.microsoft.com/office/drawing/2014/main" id="{C977EC84-87E5-DA9E-7B59-BB7EE69C15CD}"/>
               </a:ext>
             </a:extLst>
           </p:cNvPr>
@@ -856,7 +856,7 @@
           <a:bodyPr/>
           <a:lstStyle/>
           <a:p>
-            <a:fld id="{3AF1A9F2-893A-43C5-9341-7F2C34DA6769}" type="datetimeFigureOut">
+            <a:fld id="{1A9734ED-E852-4E2A-970D-255D989881CB}" type="datetimeFigureOut">
               <a:rPr lang="zh-CN" altLang="en-US" smtClean="0"/>
               <a:t>2024/3/10</a:t>
             </a:fld>
@@ -869,7 +869,7 @@
           <p:cNvPr id="5" name="页脚占位符 4">
             <a:extLst>
               <a:ext uri="{FF2B5EF4-FFF2-40B4-BE49-F238E27FC236}">
-                <a16:creationId xmlns:a16="http://schemas.microsoft.com/office/drawing/2014/main" id="{91923D1F-DA9A-33E0-6E60-476F2FC47C4F}"/>
+                <a16:creationId xmlns:a16="http://schemas.microsoft.com/office/drawing/2014/main" id="{69026EA2-3C28-DDC5-DA57-C9A85F6CA7EB}"/>
               </a:ext>
             </a:extLst>
           </p:cNvPr>
@@ -894,7 +894,7 @@
           <p:cNvPr id="6" name="灯片编号占位符 5">
             <a:extLst>
               <a:ext uri="{FF2B5EF4-FFF2-40B4-BE49-F238E27FC236}">
-                <a16:creationId xmlns:a16="http://schemas.microsoft.com/office/drawing/2014/main" id="{188FDE48-2432-BFC8-A064-7B2D91F4E2BC}"/>
+                <a16:creationId xmlns:a16="http://schemas.microsoft.com/office/drawing/2014/main" id="{1BA03A59-33E2-8765-BA62-8D0C16B866BD}"/>
               </a:ext>
             </a:extLst>
           </p:cNvPr>
@@ -910,7 +910,7 @@
           <a:bodyPr/>
           <a:lstStyle/>
           <a:p>
-            <a:fld id="{D4284B0F-9ABE-4B7B-A4A3-228F4E1A80B3}" type="slidenum">
+            <a:fld id="{AB9C9C22-AF74-4348-AED2-01586E0D0344}" type="slidenum">
               <a:rPr lang="zh-CN" altLang="en-US" smtClean="0"/>
               <a:t>‹#›</a:t>
             </a:fld>
@@ -921,7 +921,7 @@
     </p:spTree>
     <p:extLst>
       <p:ext uri="{BB962C8B-B14F-4D97-AF65-F5344CB8AC3E}">
-        <p14:creationId xmlns:p14="http://schemas.microsoft.com/office/powerpoint/2010/main" val="3289879139"/>
+        <p14:creationId xmlns:p14="http://schemas.microsoft.com/office/powerpoint/2010/main" val="2941737735"/>
       </p:ext>
     </p:extLst>
   </p:cSld>
@@ -953,7 +953,7 @@
           <p:cNvPr id="2" name="标题 1">
             <a:extLst>
               <a:ext uri="{FF2B5EF4-FFF2-40B4-BE49-F238E27FC236}">
-                <a16:creationId xmlns:a16="http://schemas.microsoft.com/office/drawing/2014/main" id="{4F9C3CA5-781A-483C-28B7-0E5261E31151}"/>
+                <a16:creationId xmlns:a16="http://schemas.microsoft.com/office/drawing/2014/main" id="{FA4BF744-4D31-EAF9-0413-0A4AC891F591}"/>
               </a:ext>
             </a:extLst>
           </p:cNvPr>
@@ -990,7 +990,7 @@
           <p:cNvPr id="3" name="文本占位符 2">
             <a:extLst>
               <a:ext uri="{FF2B5EF4-FFF2-40B4-BE49-F238E27FC236}">
-                <a16:creationId xmlns:a16="http://schemas.microsoft.com/office/drawing/2014/main" id="{B40AEB32-A2EF-8D72-42D2-5264A7F8C288}"/>
+                <a16:creationId xmlns:a16="http://schemas.microsoft.com/office/drawing/2014/main" id="{550F074D-1201-F7D0-BF01-F394AFE0A5F2}"/>
               </a:ext>
             </a:extLst>
           </p:cNvPr>
@@ -1115,7 +1115,7 @@
           <p:cNvPr id="4" name="日期占位符 3">
             <a:extLst>
               <a:ext uri="{FF2B5EF4-FFF2-40B4-BE49-F238E27FC236}">
-                <a16:creationId xmlns:a16="http://schemas.microsoft.com/office/drawing/2014/main" id="{2A033A0C-541B-D8C2-B413-DACC38508325}"/>
+                <a16:creationId xmlns:a16="http://schemas.microsoft.com/office/drawing/2014/main" id="{C1FE6EB9-1BC9-37E4-FC3C-D45D79915D92}"/>
               </a:ext>
             </a:extLst>
           </p:cNvPr>
@@ -1131,7 +1131,7 @@
           <a:bodyPr/>
           <a:lstStyle/>
           <a:p>
-            <a:fld id="{3AF1A9F2-893A-43C5-9341-7F2C34DA6769}" type="datetimeFigureOut">
+            <a:fld id="{1A9734ED-E852-4E2A-970D-255D989881CB}" type="datetimeFigureOut">
               <a:rPr lang="zh-CN" altLang="en-US" smtClean="0"/>
               <a:t>2024/3/10</a:t>
             </a:fld>
@@ -1144,7 +1144,7 @@
           <p:cNvPr id="5" name="页脚占位符 4">
             <a:extLst>
               <a:ext uri="{FF2B5EF4-FFF2-40B4-BE49-F238E27FC236}">
-                <a16:creationId xmlns:a16="http://schemas.microsoft.com/office/drawing/2014/main" id="{80ACC75A-9CC8-F512-59AA-4CCCF0E9837A}"/>
+                <a16:creationId xmlns:a16="http://schemas.microsoft.com/office/drawing/2014/main" id="{55B9512C-64FD-7549-83B6-0BDFDB0EEE16}"/>
               </a:ext>
             </a:extLst>
           </p:cNvPr>
@@ -1169,7 +1169,7 @@
           <p:cNvPr id="6" name="灯片编号占位符 5">
             <a:extLst>
               <a:ext uri="{FF2B5EF4-FFF2-40B4-BE49-F238E27FC236}">
-                <a16:creationId xmlns:a16="http://schemas.microsoft.com/office/drawing/2014/main" id="{1BE2A2DF-7191-5A00-FA8B-6EF85C1A0E50}"/>
+                <a16:creationId xmlns:a16="http://schemas.microsoft.com/office/drawing/2014/main" id="{F013134B-220C-13E8-1A68-0E262835F9F3}"/>
               </a:ext>
             </a:extLst>
           </p:cNvPr>
@@ -1185,7 +1185,7 @@
           <a:bodyPr/>
           <a:lstStyle/>
           <a:p>
-            <a:fld id="{D4284B0F-9ABE-4B7B-A4A3-228F4E1A80B3}" type="slidenum">
+            <a:fld id="{AB9C9C22-AF74-4348-AED2-01586E0D0344}" type="slidenum">
               <a:rPr lang="zh-CN" altLang="en-US" smtClean="0"/>
               <a:t>‹#›</a:t>
             </a:fld>
@@ -1196,7 +1196,7 @@
     </p:spTree>
     <p:extLst>
       <p:ext uri="{BB962C8B-B14F-4D97-AF65-F5344CB8AC3E}">
-        <p14:creationId xmlns:p14="http://schemas.microsoft.com/office/powerpoint/2010/main" val="588892572"/>
+        <p14:creationId xmlns:p14="http://schemas.microsoft.com/office/powerpoint/2010/main" val="31688039"/>
       </p:ext>
     </p:extLst>
   </p:cSld>
@@ -1228,7 +1228,7 @@
           <p:cNvPr id="2" name="标题 1">
             <a:extLst>
               <a:ext uri="{FF2B5EF4-FFF2-40B4-BE49-F238E27FC236}">
-                <a16:creationId xmlns:a16="http://schemas.microsoft.com/office/drawing/2014/main" id="{0C003152-BC68-2524-A7B9-D5D06D63CA46}"/>
+                <a16:creationId xmlns:a16="http://schemas.microsoft.com/office/drawing/2014/main" id="{C426B737-ACD1-EE12-D4F7-280ECFA3867C}"/>
               </a:ext>
             </a:extLst>
           </p:cNvPr>
@@ -1256,7 +1256,7 @@
           <p:cNvPr id="3" name="内容占位符 2">
             <a:extLst>
               <a:ext uri="{FF2B5EF4-FFF2-40B4-BE49-F238E27FC236}">
-                <a16:creationId xmlns:a16="http://schemas.microsoft.com/office/drawing/2014/main" id="{126372C4-6ECD-3CD1-FCDA-63B2B7E65030}"/>
+                <a16:creationId xmlns:a16="http://schemas.microsoft.com/office/drawing/2014/main" id="{DCEF9616-6C87-8BCB-6B2D-CA38B9566125}"/>
               </a:ext>
             </a:extLst>
           </p:cNvPr>
@@ -1318,7 +1318,7 @@
           <p:cNvPr id="4" name="内容占位符 3">
             <a:extLst>
               <a:ext uri="{FF2B5EF4-FFF2-40B4-BE49-F238E27FC236}">
-                <a16:creationId xmlns:a16="http://schemas.microsoft.com/office/drawing/2014/main" id="{62D26E41-5706-B097-C77A-6D498F0747FD}"/>
+                <a16:creationId xmlns:a16="http://schemas.microsoft.com/office/drawing/2014/main" id="{3639E81D-B080-1C53-ABF0-552F986F879B}"/>
               </a:ext>
             </a:extLst>
           </p:cNvPr>
@@ -1380,7 +1380,7 @@
           <p:cNvPr id="5" name="日期占位符 4">
             <a:extLst>
               <a:ext uri="{FF2B5EF4-FFF2-40B4-BE49-F238E27FC236}">
-                <a16:creationId xmlns:a16="http://schemas.microsoft.com/office/drawing/2014/main" id="{2CD9EA69-5AB9-5344-C296-35D5775CC06F}"/>
+                <a16:creationId xmlns:a16="http://schemas.microsoft.com/office/drawing/2014/main" id="{CC18E5D4-FF9F-9FDE-1E23-B2EB6C78279C}"/>
               </a:ext>
             </a:extLst>
           </p:cNvPr>
@@ -1396,7 +1396,7 @@
           <a:bodyPr/>
           <a:lstStyle/>
           <a:p>
-            <a:fld id="{3AF1A9F2-893A-43C5-9341-7F2C34DA6769}" type="datetimeFigureOut">
+            <a:fld id="{1A9734ED-E852-4E2A-970D-255D989881CB}" type="datetimeFigureOut">
               <a:rPr lang="zh-CN" altLang="en-US" smtClean="0"/>
               <a:t>2024/3/10</a:t>
             </a:fld>
@@ -1409,7 +1409,7 @@
           <p:cNvPr id="6" name="页脚占位符 5">
             <a:extLst>
               <a:ext uri="{FF2B5EF4-FFF2-40B4-BE49-F238E27FC236}">
-                <a16:creationId xmlns:a16="http://schemas.microsoft.com/office/drawing/2014/main" id="{5E8AC1F3-1374-958D-B32A-4154DC4C5D13}"/>
+                <a16:creationId xmlns:a16="http://schemas.microsoft.com/office/drawing/2014/main" id="{A88B899F-B3D6-C03F-FFAA-F486E2DE02AF}"/>
               </a:ext>
             </a:extLst>
           </p:cNvPr>
@@ -1434,7 +1434,7 @@
           <p:cNvPr id="7" name="灯片编号占位符 6">
             <a:extLst>
               <a:ext uri="{FF2B5EF4-FFF2-40B4-BE49-F238E27FC236}">
-                <a16:creationId xmlns:a16="http://schemas.microsoft.com/office/drawing/2014/main" id="{1F866925-5A82-2C74-3467-53BF50F4A740}"/>
+                <a16:creationId xmlns:a16="http://schemas.microsoft.com/office/drawing/2014/main" id="{ADD3C430-0C5A-772B-FCE8-84A5932DAF40}"/>
               </a:ext>
             </a:extLst>
           </p:cNvPr>
@@ -1450,7 +1450,7 @@
           <a:bodyPr/>
           <a:lstStyle/>
           <a:p>
-            <a:fld id="{D4284B0F-9ABE-4B7B-A4A3-228F4E1A80B3}" type="slidenum">
+            <a:fld id="{AB9C9C22-AF74-4348-AED2-01586E0D0344}" type="slidenum">
               <a:rPr lang="zh-CN" altLang="en-US" smtClean="0"/>
               <a:t>‹#›</a:t>
             </a:fld>
@@ -1461,7 +1461,7 @@
     </p:spTree>
     <p:extLst>
       <p:ext uri="{BB962C8B-B14F-4D97-AF65-F5344CB8AC3E}">
-        <p14:creationId xmlns:p14="http://schemas.microsoft.com/office/powerpoint/2010/main" val="2761357658"/>
+        <p14:creationId xmlns:p14="http://schemas.microsoft.com/office/powerpoint/2010/main" val="806778905"/>
       </p:ext>
     </p:extLst>
   </p:cSld>
@@ -1493,7 +1493,7 @@
           <p:cNvPr id="2" name="标题 1">
             <a:extLst>
               <a:ext uri="{FF2B5EF4-FFF2-40B4-BE49-F238E27FC236}">
-                <a16:creationId xmlns:a16="http://schemas.microsoft.com/office/drawing/2014/main" id="{8CEC7BAB-6530-C81A-EF3D-54D8A07D2D0E}"/>
+                <a16:creationId xmlns:a16="http://schemas.microsoft.com/office/drawing/2014/main" id="{A890A819-4E2A-C8EE-B2D2-21A38EE6AB3F}"/>
               </a:ext>
             </a:extLst>
           </p:cNvPr>
@@ -1526,7 +1526,7 @@
           <p:cNvPr id="3" name="文本占位符 2">
             <a:extLst>
               <a:ext uri="{FF2B5EF4-FFF2-40B4-BE49-F238E27FC236}">
-                <a16:creationId xmlns:a16="http://schemas.microsoft.com/office/drawing/2014/main" id="{8B2CEF2D-896A-E42F-D20F-5B2615D383AC}"/>
+                <a16:creationId xmlns:a16="http://schemas.microsoft.com/office/drawing/2014/main" id="{7D5E71B6-1310-39B9-BA21-B352064AA611}"/>
               </a:ext>
             </a:extLst>
           </p:cNvPr>
@@ -1597,7 +1597,7 @@
           <p:cNvPr id="4" name="内容占位符 3">
             <a:extLst>
               <a:ext uri="{FF2B5EF4-FFF2-40B4-BE49-F238E27FC236}">
-                <a16:creationId xmlns:a16="http://schemas.microsoft.com/office/drawing/2014/main" id="{17B81004-BB5D-727B-0039-49EDA85460E1}"/>
+                <a16:creationId xmlns:a16="http://schemas.microsoft.com/office/drawing/2014/main" id="{B2922AAA-0537-6368-031E-AEC6CDB91DF0}"/>
               </a:ext>
             </a:extLst>
           </p:cNvPr>
@@ -1659,7 +1659,7 @@
           <p:cNvPr id="5" name="文本占位符 4">
             <a:extLst>
               <a:ext uri="{FF2B5EF4-FFF2-40B4-BE49-F238E27FC236}">
-                <a16:creationId xmlns:a16="http://schemas.microsoft.com/office/drawing/2014/main" id="{0480930E-37FA-C72F-BB7E-79E659AFCD4C}"/>
+                <a16:creationId xmlns:a16="http://schemas.microsoft.com/office/drawing/2014/main" id="{05289BE1-7B93-D5C7-644C-A67FE44BB852}"/>
               </a:ext>
             </a:extLst>
           </p:cNvPr>
@@ -1730,7 +1730,7 @@
           <p:cNvPr id="6" name="内容占位符 5">
             <a:extLst>
               <a:ext uri="{FF2B5EF4-FFF2-40B4-BE49-F238E27FC236}">
-                <a16:creationId xmlns:a16="http://schemas.microsoft.com/office/drawing/2014/main" id="{B1CA05A9-C72A-5C65-F688-41DAD23D73B6}"/>
+                <a16:creationId xmlns:a16="http://schemas.microsoft.com/office/drawing/2014/main" id="{57E7A117-DFF0-376F-E96B-8C62329DE78F}"/>
               </a:ext>
             </a:extLst>
           </p:cNvPr>
@@ -1792,7 +1792,7 @@
           <p:cNvPr id="7" name="日期占位符 6">
             <a:extLst>
               <a:ext uri="{FF2B5EF4-FFF2-40B4-BE49-F238E27FC236}">
-                <a16:creationId xmlns:a16="http://schemas.microsoft.com/office/drawing/2014/main" id="{DD986B70-7B3E-F87A-6382-9DF534D4352C}"/>
+                <a16:creationId xmlns:a16="http://schemas.microsoft.com/office/drawing/2014/main" id="{6F894058-10B2-F6EF-83F2-8A14C5929939}"/>
               </a:ext>
             </a:extLst>
           </p:cNvPr>
@@ -1808,7 +1808,7 @@
           <a:bodyPr/>
           <a:lstStyle/>
           <a:p>
-            <a:fld id="{3AF1A9F2-893A-43C5-9341-7F2C34DA6769}" type="datetimeFigureOut">
+            <a:fld id="{1A9734ED-E852-4E2A-970D-255D989881CB}" type="datetimeFigureOut">
               <a:rPr lang="zh-CN" altLang="en-US" smtClean="0"/>
               <a:t>2024/3/10</a:t>
             </a:fld>
@@ -1821,7 +1821,7 @@
           <p:cNvPr id="8" name="页脚占位符 7">
             <a:extLst>
               <a:ext uri="{FF2B5EF4-FFF2-40B4-BE49-F238E27FC236}">
-                <a16:creationId xmlns:a16="http://schemas.microsoft.com/office/drawing/2014/main" id="{79128710-19AD-442D-65A7-540B2E8EE77E}"/>
+                <a16:creationId xmlns:a16="http://schemas.microsoft.com/office/drawing/2014/main" id="{3B379590-0F58-ACB9-CE63-A02D2D2A4E83}"/>
               </a:ext>
             </a:extLst>
           </p:cNvPr>
@@ -1846,7 +1846,7 @@
           <p:cNvPr id="9" name="灯片编号占位符 8">
             <a:extLst>
               <a:ext uri="{FF2B5EF4-FFF2-40B4-BE49-F238E27FC236}">
-                <a16:creationId xmlns:a16="http://schemas.microsoft.com/office/drawing/2014/main" id="{48EB2D09-E646-4E80-11B9-03DFF3BFCBDE}"/>
+                <a16:creationId xmlns:a16="http://schemas.microsoft.com/office/drawing/2014/main" id="{3A3D586B-2ED1-BACF-3A2F-C2889D4ED1F9}"/>
               </a:ext>
             </a:extLst>
           </p:cNvPr>
@@ -1862,7 +1862,7 @@
           <a:bodyPr/>
           <a:lstStyle/>
           <a:p>
-            <a:fld id="{D4284B0F-9ABE-4B7B-A4A3-228F4E1A80B3}" type="slidenum">
+            <a:fld id="{AB9C9C22-AF74-4348-AED2-01586E0D0344}" type="slidenum">
               <a:rPr lang="zh-CN" altLang="en-US" smtClean="0"/>
               <a:t>‹#›</a:t>
             </a:fld>
@@ -1873,7 +1873,7 @@
     </p:spTree>
     <p:extLst>
       <p:ext uri="{BB962C8B-B14F-4D97-AF65-F5344CB8AC3E}">
-        <p14:creationId xmlns:p14="http://schemas.microsoft.com/office/powerpoint/2010/main" val="3711620884"/>
+        <p14:creationId xmlns:p14="http://schemas.microsoft.com/office/powerpoint/2010/main" val="1974838449"/>
       </p:ext>
     </p:extLst>
   </p:cSld>
@@ -1905,7 +1905,7 @@
           <p:cNvPr id="2" name="标题 1">
             <a:extLst>
               <a:ext uri="{FF2B5EF4-FFF2-40B4-BE49-F238E27FC236}">
-                <a16:creationId xmlns:a16="http://schemas.microsoft.com/office/drawing/2014/main" id="{6D6A25FE-18B9-CA99-D00A-E3431C42A7D7}"/>
+                <a16:creationId xmlns:a16="http://schemas.microsoft.com/office/drawing/2014/main" id="{8B33BEA8-3E2C-8157-46D5-04CE5137DF28}"/>
               </a:ext>
             </a:extLst>
           </p:cNvPr>
@@ -1933,7 +1933,7 @@
           <p:cNvPr id="3" name="日期占位符 2">
             <a:extLst>
               <a:ext uri="{FF2B5EF4-FFF2-40B4-BE49-F238E27FC236}">
-                <a16:creationId xmlns:a16="http://schemas.microsoft.com/office/drawing/2014/main" id="{E9801691-13BC-B68D-C95C-36FA5A1774DA}"/>
+                <a16:creationId xmlns:a16="http://schemas.microsoft.com/office/drawing/2014/main" id="{20338EE5-E875-83B2-1821-DC9368EB8574}"/>
               </a:ext>
             </a:extLst>
           </p:cNvPr>
@@ -1949,7 +1949,7 @@
           <a:bodyPr/>
           <a:lstStyle/>
           <a:p>
-            <a:fld id="{3AF1A9F2-893A-43C5-9341-7F2C34DA6769}" type="datetimeFigureOut">
+            <a:fld id="{1A9734ED-E852-4E2A-970D-255D989881CB}" type="datetimeFigureOut">
               <a:rPr lang="zh-CN" altLang="en-US" smtClean="0"/>
               <a:t>2024/3/10</a:t>
             </a:fld>
@@ -1962,7 +1962,7 @@
           <p:cNvPr id="4" name="页脚占位符 3">
             <a:extLst>
               <a:ext uri="{FF2B5EF4-FFF2-40B4-BE49-F238E27FC236}">
-                <a16:creationId xmlns:a16="http://schemas.microsoft.com/office/drawing/2014/main" id="{5B1711E9-5248-E340-5D81-D22783F9B344}"/>
+                <a16:creationId xmlns:a16="http://schemas.microsoft.com/office/drawing/2014/main" id="{AD2163F5-A0A6-1F6C-A637-5F21F024FF02}"/>
               </a:ext>
             </a:extLst>
           </p:cNvPr>
@@ -1987,7 +1987,7 @@
           <p:cNvPr id="5" name="灯片编号占位符 4">
             <a:extLst>
               <a:ext uri="{FF2B5EF4-FFF2-40B4-BE49-F238E27FC236}">
-                <a16:creationId xmlns:a16="http://schemas.microsoft.com/office/drawing/2014/main" id="{67D1F7BA-FE1E-DF93-26B0-5473DE7A538C}"/>
+                <a16:creationId xmlns:a16="http://schemas.microsoft.com/office/drawing/2014/main" id="{EFB33F50-3474-2DBE-CAD5-35FE4BD96FEE}"/>
               </a:ext>
             </a:extLst>
           </p:cNvPr>
@@ -2003,7 +2003,7 @@
           <a:bodyPr/>
           <a:lstStyle/>
           <a:p>
-            <a:fld id="{D4284B0F-9ABE-4B7B-A4A3-228F4E1A80B3}" type="slidenum">
+            <a:fld id="{AB9C9C22-AF74-4348-AED2-01586E0D0344}" type="slidenum">
               <a:rPr lang="zh-CN" altLang="en-US" smtClean="0"/>
               <a:t>‹#›</a:t>
             </a:fld>
@@ -2014,7 +2014,7 @@
     </p:spTree>
     <p:extLst>
       <p:ext uri="{BB962C8B-B14F-4D97-AF65-F5344CB8AC3E}">
-        <p14:creationId xmlns:p14="http://schemas.microsoft.com/office/powerpoint/2010/main" val="1355751729"/>
+        <p14:creationId xmlns:p14="http://schemas.microsoft.com/office/powerpoint/2010/main" val="2980365957"/>
       </p:ext>
     </p:extLst>
   </p:cSld>
@@ -2046,7 +2046,7 @@
           <p:cNvPr id="2" name="日期占位符 1">
             <a:extLst>
               <a:ext uri="{FF2B5EF4-FFF2-40B4-BE49-F238E27FC236}">
-                <a16:creationId xmlns:a16="http://schemas.microsoft.com/office/drawing/2014/main" id="{24B850ED-CA8D-4845-5184-3A50BBCD8D91}"/>
+                <a16:creationId xmlns:a16="http://schemas.microsoft.com/office/drawing/2014/main" id="{75473663-83AB-399B-DD40-030EDD532D66}"/>
               </a:ext>
             </a:extLst>
           </p:cNvPr>
@@ -2062,7 +2062,7 @@
           <a:bodyPr/>
           <a:lstStyle/>
           <a:p>
-            <a:fld id="{3AF1A9F2-893A-43C5-9341-7F2C34DA6769}" type="datetimeFigureOut">
+            <a:fld id="{1A9734ED-E852-4E2A-970D-255D989881CB}" type="datetimeFigureOut">
               <a:rPr lang="zh-CN" altLang="en-US" smtClean="0"/>
               <a:t>2024/3/10</a:t>
             </a:fld>
@@ -2075,7 +2075,7 @@
           <p:cNvPr id="3" name="页脚占位符 2">
             <a:extLst>
               <a:ext uri="{FF2B5EF4-FFF2-40B4-BE49-F238E27FC236}">
-                <a16:creationId xmlns:a16="http://schemas.microsoft.com/office/drawing/2014/main" id="{52488C0F-0A33-00CB-EB05-228068E5EC9E}"/>
+                <a16:creationId xmlns:a16="http://schemas.microsoft.com/office/drawing/2014/main" id="{1F84BE43-4662-FC01-8F54-99D21F05A58F}"/>
               </a:ext>
             </a:extLst>
           </p:cNvPr>
@@ -2100,7 +2100,7 @@
           <p:cNvPr id="4" name="灯片编号占位符 3">
             <a:extLst>
               <a:ext uri="{FF2B5EF4-FFF2-40B4-BE49-F238E27FC236}">
-                <a16:creationId xmlns:a16="http://schemas.microsoft.com/office/drawing/2014/main" id="{3EAFFDAB-1571-FC5B-2800-190053EDF278}"/>
+                <a16:creationId xmlns:a16="http://schemas.microsoft.com/office/drawing/2014/main" id="{E042C11A-25B3-A465-6F3C-B6D48F606BE2}"/>
               </a:ext>
             </a:extLst>
           </p:cNvPr>
@@ -2116,7 +2116,7 @@
           <a:bodyPr/>
           <a:lstStyle/>
           <a:p>
-            <a:fld id="{D4284B0F-9ABE-4B7B-A4A3-228F4E1A80B3}" type="slidenum">
+            <a:fld id="{AB9C9C22-AF74-4348-AED2-01586E0D0344}" type="slidenum">
               <a:rPr lang="zh-CN" altLang="en-US" smtClean="0"/>
               <a:t>‹#›</a:t>
             </a:fld>
@@ -2127,7 +2127,7 @@
     </p:spTree>
     <p:extLst>
       <p:ext uri="{BB962C8B-B14F-4D97-AF65-F5344CB8AC3E}">
-        <p14:creationId xmlns:p14="http://schemas.microsoft.com/office/powerpoint/2010/main" val="3300130208"/>
+        <p14:creationId xmlns:p14="http://schemas.microsoft.com/office/powerpoint/2010/main" val="881702487"/>
       </p:ext>
     </p:extLst>
   </p:cSld>
@@ -2159,7 +2159,7 @@
           <p:cNvPr id="2" name="标题 1">
             <a:extLst>
               <a:ext uri="{FF2B5EF4-FFF2-40B4-BE49-F238E27FC236}">
-                <a16:creationId xmlns:a16="http://schemas.microsoft.com/office/drawing/2014/main" id="{C70DD2D4-75BF-5705-65F3-35FC4376C01D}"/>
+                <a16:creationId xmlns:a16="http://schemas.microsoft.com/office/drawing/2014/main" id="{3D9C3920-DA4A-ADF2-D179-022CD53F83C2}"/>
               </a:ext>
             </a:extLst>
           </p:cNvPr>
@@ -2196,7 +2196,7 @@
           <p:cNvPr id="3" name="内容占位符 2">
             <a:extLst>
               <a:ext uri="{FF2B5EF4-FFF2-40B4-BE49-F238E27FC236}">
-                <a16:creationId xmlns:a16="http://schemas.microsoft.com/office/drawing/2014/main" id="{6BCB2833-F363-2C71-91BA-3435A639FABD}"/>
+                <a16:creationId xmlns:a16="http://schemas.microsoft.com/office/drawing/2014/main" id="{1ACBA025-E552-BEC6-BD4B-C3DF022430F8}"/>
               </a:ext>
             </a:extLst>
           </p:cNvPr>
@@ -2286,7 +2286,7 @@
           <p:cNvPr id="4" name="文本占位符 3">
             <a:extLst>
               <a:ext uri="{FF2B5EF4-FFF2-40B4-BE49-F238E27FC236}">
-                <a16:creationId xmlns:a16="http://schemas.microsoft.com/office/drawing/2014/main" id="{737122F6-8243-5BB3-DC2C-00B93DE11F4F}"/>
+                <a16:creationId xmlns:a16="http://schemas.microsoft.com/office/drawing/2014/main" id="{66C23F33-5206-3861-00D0-7842C69DEE34}"/>
               </a:ext>
             </a:extLst>
           </p:cNvPr>
@@ -2357,7 +2357,7 @@
           <p:cNvPr id="5" name="日期占位符 4">
             <a:extLst>
               <a:ext uri="{FF2B5EF4-FFF2-40B4-BE49-F238E27FC236}">
-                <a16:creationId xmlns:a16="http://schemas.microsoft.com/office/drawing/2014/main" id="{A415AEC7-4ABA-45CA-5E0D-0BFF3EF02AE9}"/>
+                <a16:creationId xmlns:a16="http://schemas.microsoft.com/office/drawing/2014/main" id="{159BFAD8-9A62-9FDA-9A02-28F7AE422B6B}"/>
               </a:ext>
             </a:extLst>
           </p:cNvPr>
@@ -2373,7 +2373,7 @@
           <a:bodyPr/>
           <a:lstStyle/>
           <a:p>
-            <a:fld id="{3AF1A9F2-893A-43C5-9341-7F2C34DA6769}" type="datetimeFigureOut">
+            <a:fld id="{1A9734ED-E852-4E2A-970D-255D989881CB}" type="datetimeFigureOut">
               <a:rPr lang="zh-CN" altLang="en-US" smtClean="0"/>
               <a:t>2024/3/10</a:t>
             </a:fld>
@@ -2386,7 +2386,7 @@
           <p:cNvPr id="6" name="页脚占位符 5">
             <a:extLst>
               <a:ext uri="{FF2B5EF4-FFF2-40B4-BE49-F238E27FC236}">
-                <a16:creationId xmlns:a16="http://schemas.microsoft.com/office/drawing/2014/main" id="{0B06A46E-C6EF-779E-C3A9-0C5C583F665D}"/>
+                <a16:creationId xmlns:a16="http://schemas.microsoft.com/office/drawing/2014/main" id="{451D17F7-20F6-E9CF-83D1-33CBF6370D8E}"/>
               </a:ext>
             </a:extLst>
           </p:cNvPr>
@@ -2411,7 +2411,7 @@
           <p:cNvPr id="7" name="灯片编号占位符 6">
             <a:extLst>
               <a:ext uri="{FF2B5EF4-FFF2-40B4-BE49-F238E27FC236}">
-                <a16:creationId xmlns:a16="http://schemas.microsoft.com/office/drawing/2014/main" id="{BADA2297-9FA5-A3D8-DB42-CEC3F0779B14}"/>
+                <a16:creationId xmlns:a16="http://schemas.microsoft.com/office/drawing/2014/main" id="{CA66DDDB-7207-101D-3D57-F39A5DDAD54F}"/>
               </a:ext>
             </a:extLst>
           </p:cNvPr>
@@ -2427,7 +2427,7 @@
           <a:bodyPr/>
           <a:lstStyle/>
           <a:p>
-            <a:fld id="{D4284B0F-9ABE-4B7B-A4A3-228F4E1A80B3}" type="slidenum">
+            <a:fld id="{AB9C9C22-AF74-4348-AED2-01586E0D0344}" type="slidenum">
               <a:rPr lang="zh-CN" altLang="en-US" smtClean="0"/>
               <a:t>‹#›</a:t>
             </a:fld>
@@ -2438,7 +2438,7 @@
     </p:spTree>
     <p:extLst>
       <p:ext uri="{BB962C8B-B14F-4D97-AF65-F5344CB8AC3E}">
-        <p14:creationId xmlns:p14="http://schemas.microsoft.com/office/powerpoint/2010/main" val="2281188534"/>
+        <p14:creationId xmlns:p14="http://schemas.microsoft.com/office/powerpoint/2010/main" val="2658078747"/>
       </p:ext>
     </p:extLst>
   </p:cSld>
@@ -2470,7 +2470,7 @@
           <p:cNvPr id="2" name="标题 1">
             <a:extLst>
               <a:ext uri="{FF2B5EF4-FFF2-40B4-BE49-F238E27FC236}">
-                <a16:creationId xmlns:a16="http://schemas.microsoft.com/office/drawing/2014/main" id="{64F00D52-5412-28C7-308D-EDD53F0FF969}"/>
+                <a16:creationId xmlns:a16="http://schemas.microsoft.com/office/drawing/2014/main" id="{74424943-F5D1-8E07-04F1-57E99AD07C9E}"/>
               </a:ext>
             </a:extLst>
           </p:cNvPr>
@@ -2507,7 +2507,7 @@
           <p:cNvPr id="3" name="图片占位符 2">
             <a:extLst>
               <a:ext uri="{FF2B5EF4-FFF2-40B4-BE49-F238E27FC236}">
-                <a16:creationId xmlns:a16="http://schemas.microsoft.com/office/drawing/2014/main" id="{B60E5053-21C0-708C-E485-FD5626CCB2CE}"/>
+                <a16:creationId xmlns:a16="http://schemas.microsoft.com/office/drawing/2014/main" id="{BA441D7F-FFFE-187B-26D3-8E32CB0A0D49}"/>
               </a:ext>
             </a:extLst>
           </p:cNvPr>
@@ -2574,7 +2574,7 @@
           <p:cNvPr id="4" name="文本占位符 3">
             <a:extLst>
               <a:ext uri="{FF2B5EF4-FFF2-40B4-BE49-F238E27FC236}">
-                <a16:creationId xmlns:a16="http://schemas.microsoft.com/office/drawing/2014/main" id="{2580BBB2-FE38-FF78-9B9D-F8F78FA0C1AC}"/>
+                <a16:creationId xmlns:a16="http://schemas.microsoft.com/office/drawing/2014/main" id="{DEC3B9E4-A457-26E6-612D-510FFC7F7942}"/>
               </a:ext>
             </a:extLst>
           </p:cNvPr>
@@ -2645,7 +2645,7 @@
           <p:cNvPr id="5" name="日期占位符 4">
             <a:extLst>
               <a:ext uri="{FF2B5EF4-FFF2-40B4-BE49-F238E27FC236}">
-                <a16:creationId xmlns:a16="http://schemas.microsoft.com/office/drawing/2014/main" id="{0F93FD4F-B9F3-0F81-6F34-43BD76755C47}"/>
+                <a16:creationId xmlns:a16="http://schemas.microsoft.com/office/drawing/2014/main" id="{66857D04-7C3A-3356-6388-AC6EF8DAB501}"/>
               </a:ext>
             </a:extLst>
           </p:cNvPr>
@@ -2661,7 +2661,7 @@
           <a:bodyPr/>
           <a:lstStyle/>
           <a:p>
-            <a:fld id="{3AF1A9F2-893A-43C5-9341-7F2C34DA6769}" type="datetimeFigureOut">
+            <a:fld id="{1A9734ED-E852-4E2A-970D-255D989881CB}" type="datetimeFigureOut">
               <a:rPr lang="zh-CN" altLang="en-US" smtClean="0"/>
               <a:t>2024/3/10</a:t>
             </a:fld>
@@ -2674,7 +2674,7 @@
           <p:cNvPr id="6" name="页脚占位符 5">
             <a:extLst>
               <a:ext uri="{FF2B5EF4-FFF2-40B4-BE49-F238E27FC236}">
-                <a16:creationId xmlns:a16="http://schemas.microsoft.com/office/drawing/2014/main" id="{4A6CA7CF-E3DF-C93C-8A95-3F86BB1EE73E}"/>
+                <a16:creationId xmlns:a16="http://schemas.microsoft.com/office/drawing/2014/main" id="{D87B45EE-2B5F-72DA-FD44-35521D3FBF25}"/>
               </a:ext>
             </a:extLst>
           </p:cNvPr>
@@ -2699,7 +2699,7 @@
           <p:cNvPr id="7" name="灯片编号占位符 6">
             <a:extLst>
               <a:ext uri="{FF2B5EF4-FFF2-40B4-BE49-F238E27FC236}">
-                <a16:creationId xmlns:a16="http://schemas.microsoft.com/office/drawing/2014/main" id="{37A1BAC8-40B7-EA3B-F126-75B28DA01EF6}"/>
+                <a16:creationId xmlns:a16="http://schemas.microsoft.com/office/drawing/2014/main" id="{48A7F0A7-F728-30F1-1E40-AD45482A6014}"/>
               </a:ext>
             </a:extLst>
           </p:cNvPr>
@@ -2715,7 +2715,7 @@
           <a:bodyPr/>
           <a:lstStyle/>
           <a:p>
-            <a:fld id="{D4284B0F-9ABE-4B7B-A4A3-228F4E1A80B3}" type="slidenum">
+            <a:fld id="{AB9C9C22-AF74-4348-AED2-01586E0D0344}" type="slidenum">
               <a:rPr lang="zh-CN" altLang="en-US" smtClean="0"/>
               <a:t>‹#›</a:t>
             </a:fld>
@@ -2726,7 +2726,7 @@
     </p:spTree>
     <p:extLst>
       <p:ext uri="{BB962C8B-B14F-4D97-AF65-F5344CB8AC3E}">
-        <p14:creationId xmlns:p14="http://schemas.microsoft.com/office/powerpoint/2010/main" val="3098178153"/>
+        <p14:creationId xmlns:p14="http://schemas.microsoft.com/office/powerpoint/2010/main" val="4068400216"/>
       </p:ext>
     </p:extLst>
   </p:cSld>
@@ -2763,7 +2763,7 @@
           <p:cNvPr id="2" name="标题占位符 1">
             <a:extLst>
               <a:ext uri="{FF2B5EF4-FFF2-40B4-BE49-F238E27FC236}">
-                <a16:creationId xmlns:a16="http://schemas.microsoft.com/office/drawing/2014/main" id="{8DC0BEF2-8B85-0914-901D-2643352B556B}"/>
+                <a16:creationId xmlns:a16="http://schemas.microsoft.com/office/drawing/2014/main" id="{CC24BB26-AEAF-64D7-D0B1-4DECC7F87DF8}"/>
               </a:ext>
             </a:extLst>
           </p:cNvPr>
@@ -2801,7 +2801,7 @@
           <p:cNvPr id="3" name="文本占位符 2">
             <a:extLst>
               <a:ext uri="{FF2B5EF4-FFF2-40B4-BE49-F238E27FC236}">
-                <a16:creationId xmlns:a16="http://schemas.microsoft.com/office/drawing/2014/main" id="{1FD219B1-3120-C49B-EDE8-E9B013FBC77A}"/>
+                <a16:creationId xmlns:a16="http://schemas.microsoft.com/office/drawing/2014/main" id="{3E63399C-8AD9-E86A-1AAC-92A4E45967BF}"/>
               </a:ext>
             </a:extLst>
           </p:cNvPr>
@@ -2868,7 +2868,7 @@
           <p:cNvPr id="4" name="日期占位符 3">
             <a:extLst>
               <a:ext uri="{FF2B5EF4-FFF2-40B4-BE49-F238E27FC236}">
-                <a16:creationId xmlns:a16="http://schemas.microsoft.com/office/drawing/2014/main" id="{17692937-6EC4-A2AD-2250-C10A2BADD8F8}"/>
+                <a16:creationId xmlns:a16="http://schemas.microsoft.com/office/drawing/2014/main" id="{19FB1C9B-F572-88DD-CCBD-1F23FFDDC721}"/>
               </a:ext>
             </a:extLst>
           </p:cNvPr>
@@ -2902,7 +2902,7 @@
             </a:lvl1pPr>
           </a:lstStyle>
           <a:p>
-            <a:fld id="{3AF1A9F2-893A-43C5-9341-7F2C34DA6769}" type="datetimeFigureOut">
+            <a:fld id="{1A9734ED-E852-4E2A-970D-255D989881CB}" type="datetimeFigureOut">
               <a:rPr lang="zh-CN" altLang="en-US" smtClean="0"/>
               <a:t>2024/3/10</a:t>
             </a:fld>
@@ -2915,7 +2915,7 @@
           <p:cNvPr id="5" name="页脚占位符 4">
             <a:extLst>
               <a:ext uri="{FF2B5EF4-FFF2-40B4-BE49-F238E27FC236}">
-                <a16:creationId xmlns:a16="http://schemas.microsoft.com/office/drawing/2014/main" id="{0750512A-EB02-D4E3-3FAC-5ABB7080B879}"/>
+                <a16:creationId xmlns:a16="http://schemas.microsoft.com/office/drawing/2014/main" id="{49A48F12-F4B1-74BA-0E13-3A2388CAB9EB}"/>
               </a:ext>
             </a:extLst>
           </p:cNvPr>
@@ -2958,7 +2958,7 @@
           <p:cNvPr id="6" name="灯片编号占位符 5">
             <a:extLst>
               <a:ext uri="{FF2B5EF4-FFF2-40B4-BE49-F238E27FC236}">
-                <a16:creationId xmlns:a16="http://schemas.microsoft.com/office/drawing/2014/main" id="{B55328CB-0318-CD6E-9BA5-7A8DE77C613D}"/>
+                <a16:creationId xmlns:a16="http://schemas.microsoft.com/office/drawing/2014/main" id="{BE75B5F4-006B-1A5F-5BC2-2AF45698160C}"/>
               </a:ext>
             </a:extLst>
           </p:cNvPr>
@@ -2992,7 +2992,7 @@
             </a:lvl1pPr>
           </a:lstStyle>
           <a:p>
-            <a:fld id="{D4284B0F-9ABE-4B7B-A4A3-228F4E1A80B3}" type="slidenum">
+            <a:fld id="{AB9C9C22-AF74-4348-AED2-01586E0D0344}" type="slidenum">
               <a:rPr lang="zh-CN" altLang="en-US" smtClean="0"/>
               <a:t>‹#›</a:t>
             </a:fld>
@@ -3003,7 +3003,7 @@
     </p:spTree>
     <p:extLst>
       <p:ext uri="{BB962C8B-B14F-4D97-AF65-F5344CB8AC3E}">
-        <p14:creationId xmlns:p14="http://schemas.microsoft.com/office/powerpoint/2010/main" val="1936213906"/>
+        <p14:creationId xmlns:p14="http://schemas.microsoft.com/office/powerpoint/2010/main" val="4257398629"/>
       </p:ext>
     </p:extLst>
   </p:cSld>
